--- a/Fig/Intro/Intro_JBE_summary/Intro_JBE_summary.pptx
+++ b/Fig/Intro/Intro_JBE_summary/Intro_JBE_summary.pptx
@@ -254,7 +254,7 @@
           <a:p>
             <a:fld id="{18C5F20A-FFE5-4DB3-B6D7-2123A8A83675}" type="datetimeFigureOut">
               <a:rPr lang="en-US" smtClean="0"/>
-              <a:t>8/14/2017</a:t>
+              <a:t>10/25/2017</a:t>
             </a:fld>
             <a:endParaRPr lang="en-US"/>
           </a:p>
@@ -424,7 +424,7 @@
           <a:p>
             <a:fld id="{18C5F20A-FFE5-4DB3-B6D7-2123A8A83675}" type="datetimeFigureOut">
               <a:rPr lang="en-US" smtClean="0"/>
-              <a:t>8/14/2017</a:t>
+              <a:t>10/25/2017</a:t>
             </a:fld>
             <a:endParaRPr lang="en-US"/>
           </a:p>
@@ -604,7 +604,7 @@
           <a:p>
             <a:fld id="{18C5F20A-FFE5-4DB3-B6D7-2123A8A83675}" type="datetimeFigureOut">
               <a:rPr lang="en-US" smtClean="0"/>
-              <a:t>8/14/2017</a:t>
+              <a:t>10/25/2017</a:t>
             </a:fld>
             <a:endParaRPr lang="en-US"/>
           </a:p>
@@ -774,7 +774,7 @@
           <a:p>
             <a:fld id="{18C5F20A-FFE5-4DB3-B6D7-2123A8A83675}" type="datetimeFigureOut">
               <a:rPr lang="en-US" smtClean="0"/>
-              <a:t>8/14/2017</a:t>
+              <a:t>10/25/2017</a:t>
             </a:fld>
             <a:endParaRPr lang="en-US"/>
           </a:p>
@@ -1018,7 +1018,7 @@
           <a:p>
             <a:fld id="{18C5F20A-FFE5-4DB3-B6D7-2123A8A83675}" type="datetimeFigureOut">
               <a:rPr lang="en-US" smtClean="0"/>
-              <a:t>8/14/2017</a:t>
+              <a:t>10/25/2017</a:t>
             </a:fld>
             <a:endParaRPr lang="en-US"/>
           </a:p>
@@ -1250,7 +1250,7 @@
           <a:p>
             <a:fld id="{18C5F20A-FFE5-4DB3-B6D7-2123A8A83675}" type="datetimeFigureOut">
               <a:rPr lang="en-US" smtClean="0"/>
-              <a:t>8/14/2017</a:t>
+              <a:t>10/25/2017</a:t>
             </a:fld>
             <a:endParaRPr lang="en-US"/>
           </a:p>
@@ -1617,7 +1617,7 @@
           <a:p>
             <a:fld id="{18C5F20A-FFE5-4DB3-B6D7-2123A8A83675}" type="datetimeFigureOut">
               <a:rPr lang="en-US" smtClean="0"/>
-              <a:t>8/14/2017</a:t>
+              <a:t>10/25/2017</a:t>
             </a:fld>
             <a:endParaRPr lang="en-US"/>
           </a:p>
@@ -1735,7 +1735,7 @@
           <a:p>
             <a:fld id="{18C5F20A-FFE5-4DB3-B6D7-2123A8A83675}" type="datetimeFigureOut">
               <a:rPr lang="en-US" smtClean="0"/>
-              <a:t>8/14/2017</a:t>
+              <a:t>10/25/2017</a:t>
             </a:fld>
             <a:endParaRPr lang="en-US"/>
           </a:p>
@@ -1830,7 +1830,7 @@
           <a:p>
             <a:fld id="{18C5F20A-FFE5-4DB3-B6D7-2123A8A83675}" type="datetimeFigureOut">
               <a:rPr lang="en-US" smtClean="0"/>
-              <a:t>8/14/2017</a:t>
+              <a:t>10/25/2017</a:t>
             </a:fld>
             <a:endParaRPr lang="en-US"/>
           </a:p>
@@ -2107,7 +2107,7 @@
           <a:p>
             <a:fld id="{18C5F20A-FFE5-4DB3-B6D7-2123A8A83675}" type="datetimeFigureOut">
               <a:rPr lang="en-US" smtClean="0"/>
-              <a:t>8/14/2017</a:t>
+              <a:t>10/25/2017</a:t>
             </a:fld>
             <a:endParaRPr lang="en-US"/>
           </a:p>
@@ -2364,7 +2364,7 @@
           <a:p>
             <a:fld id="{18C5F20A-FFE5-4DB3-B6D7-2123A8A83675}" type="datetimeFigureOut">
               <a:rPr lang="en-US" smtClean="0"/>
-              <a:t>8/14/2017</a:t>
+              <a:t>10/25/2017</a:t>
             </a:fld>
             <a:endParaRPr lang="en-US"/>
           </a:p>
@@ -2577,7 +2577,7 @@
           <a:p>
             <a:fld id="{18C5F20A-FFE5-4DB3-B6D7-2123A8A83675}" type="datetimeFigureOut">
               <a:rPr lang="en-US" smtClean="0"/>
-              <a:t>8/14/2017</a:t>
+              <a:t>10/25/2017</a:t>
             </a:fld>
             <a:endParaRPr lang="en-US"/>
           </a:p>
@@ -3017,8 +3017,8 @@
         </p:nvSpPr>
         <p:spPr>
           <a:xfrm>
-            <a:off x="51683" y="89452"/>
-            <a:ext cx="5504291" cy="338554"/>
+            <a:off x="51683" y="218519"/>
+            <a:ext cx="5504291" cy="307777"/>
           </a:xfrm>
           <a:prstGeom prst="rect">
             <a:avLst/>
@@ -3032,35 +3032,48 @@
           <a:lstStyle/>
           <a:p>
             <a:r>
-              <a:rPr lang="en-US" sz="1600" b="1" dirty="0" smtClean="0">
-                <a:latin typeface="Arial" panose="020B0604020202020204" pitchFamily="34" charset="0"/>
+              <a:rPr lang="en-US" sz="1400" b="1" dirty="0" smtClean="0">
+                <a:latin typeface="Roboto" pitchFamily="2" charset="0"/>
+                <a:ea typeface="Roboto" pitchFamily="2" charset="0"/>
                 <a:cs typeface="Arial" panose="020B0604020202020204" pitchFamily="34" charset="0"/>
               </a:rPr>
               <a:t>A) </a:t>
             </a:r>
             <a:r>
-              <a:rPr lang="en-US" sz="1600" dirty="0" smtClean="0">
-                <a:latin typeface="Arial" panose="020B0604020202020204" pitchFamily="34" charset="0"/>
+              <a:rPr lang="en-US" sz="1400" dirty="0" smtClean="0">
+                <a:latin typeface="Roboto" pitchFamily="2" charset="0"/>
+                <a:ea typeface="Roboto" pitchFamily="2" charset="0"/>
                 <a:cs typeface="Arial" panose="020B0604020202020204" pitchFamily="34" charset="0"/>
               </a:rPr>
               <a:t>Eichenlaub et al., </a:t>
             </a:r>
             <a:r>
-              <a:rPr lang="en-US" sz="1600" i="1" dirty="0" smtClean="0">
-                <a:latin typeface="Arial" panose="020B0604020202020204" pitchFamily="34" charset="0"/>
+              <a:rPr lang="en-US" sz="1400" i="1" dirty="0" smtClean="0">
+                <a:latin typeface="Roboto" pitchFamily="2" charset="0"/>
+                <a:ea typeface="Roboto" pitchFamily="2" charset="0"/>
                 <a:cs typeface="Arial" panose="020B0604020202020204" pitchFamily="34" charset="0"/>
               </a:rPr>
               <a:t>Cerebral Cortex</a:t>
             </a:r>
             <a:r>
-              <a:rPr lang="en-US" sz="1600" dirty="0" smtClean="0">
-                <a:latin typeface="Arial" panose="020B0604020202020204" pitchFamily="34" charset="0"/>
+              <a:rPr lang="en-US" sz="1400" dirty="0" smtClean="0">
+                <a:latin typeface="Roboto" pitchFamily="2" charset="0"/>
+                <a:ea typeface="Roboto" pitchFamily="2" charset="0"/>
                 <a:cs typeface="Arial" panose="020B0604020202020204" pitchFamily="34" charset="0"/>
               </a:rPr>
-              <a:t>, 2014a</a:t>
-            </a:r>
-            <a:endParaRPr lang="en-US" sz="1600" dirty="0">
-              <a:latin typeface="Arial" panose="020B0604020202020204" pitchFamily="34" charset="0"/>
+              <a:t>, </a:t>
+            </a:r>
+            <a:r>
+              <a:rPr lang="en-US" sz="1400" dirty="0" smtClean="0">
+                <a:latin typeface="Roboto" pitchFamily="2" charset="0"/>
+                <a:ea typeface="Roboto" pitchFamily="2" charset="0"/>
+                <a:cs typeface="Arial" panose="020B0604020202020204" pitchFamily="34" charset="0"/>
+              </a:rPr>
+              <a:t>2014</a:t>
+            </a:r>
+            <a:endParaRPr lang="en-US" sz="1400" dirty="0">
+              <a:latin typeface="Roboto" pitchFamily="2" charset="0"/>
+              <a:ea typeface="Roboto" pitchFamily="2" charset="0"/>
               <a:cs typeface="Arial" panose="020B0604020202020204" pitchFamily="34" charset="0"/>
             </a:endParaRPr>
           </a:p>
@@ -3101,8 +3114,8 @@
         </p:nvSpPr>
         <p:spPr>
           <a:xfrm>
-            <a:off x="51683" y="4774095"/>
-            <a:ext cx="5504291" cy="338554"/>
+            <a:off x="51683" y="4886985"/>
+            <a:ext cx="5504291" cy="307777"/>
           </a:xfrm>
           <a:prstGeom prst="rect">
             <a:avLst/>
@@ -3116,35 +3129,48 @@
           <a:lstStyle/>
           <a:p>
             <a:r>
-              <a:rPr lang="en-US" sz="1600" b="1" dirty="0" smtClean="0">
-                <a:latin typeface="Arial" panose="020B0604020202020204" pitchFamily="34" charset="0"/>
+              <a:rPr lang="en-US" sz="1400" b="1" dirty="0" smtClean="0">
+                <a:latin typeface="Roboto" pitchFamily="2" charset="0"/>
+                <a:ea typeface="Roboto" pitchFamily="2" charset="0"/>
                 <a:cs typeface="Arial" panose="020B0604020202020204" pitchFamily="34" charset="0"/>
               </a:rPr>
               <a:t>B) </a:t>
             </a:r>
             <a:r>
-              <a:rPr lang="en-US" sz="1600" dirty="0" smtClean="0">
-                <a:latin typeface="Arial" panose="020B0604020202020204" pitchFamily="34" charset="0"/>
+              <a:rPr lang="en-US" sz="1400" dirty="0" smtClean="0">
+                <a:latin typeface="Roboto" pitchFamily="2" charset="0"/>
+                <a:ea typeface="Roboto" pitchFamily="2" charset="0"/>
                 <a:cs typeface="Arial" panose="020B0604020202020204" pitchFamily="34" charset="0"/>
               </a:rPr>
               <a:t>Eichenlaub et al., </a:t>
             </a:r>
             <a:r>
-              <a:rPr lang="en-US" sz="1600" i="1" dirty="0" smtClean="0">
-                <a:latin typeface="Arial" panose="020B0604020202020204" pitchFamily="34" charset="0"/>
+              <a:rPr lang="en-US" sz="1400" i="1" dirty="0" smtClean="0">
+                <a:latin typeface="Roboto" pitchFamily="2" charset="0"/>
+                <a:ea typeface="Roboto" pitchFamily="2" charset="0"/>
                 <a:cs typeface="Arial" panose="020B0604020202020204" pitchFamily="34" charset="0"/>
               </a:rPr>
               <a:t>Neuropsychopharmacology</a:t>
             </a:r>
             <a:r>
-              <a:rPr lang="en-US" sz="1600" dirty="0" smtClean="0">
-                <a:latin typeface="Arial" panose="020B0604020202020204" pitchFamily="34" charset="0"/>
+              <a:rPr lang="en-US" sz="1400" dirty="0" smtClean="0">
+                <a:latin typeface="Roboto" pitchFamily="2" charset="0"/>
+                <a:ea typeface="Roboto" pitchFamily="2" charset="0"/>
                 <a:cs typeface="Arial" panose="020B0604020202020204" pitchFamily="34" charset="0"/>
               </a:rPr>
-              <a:t>, 2014b</a:t>
-            </a:r>
-            <a:endParaRPr lang="en-US" sz="1600" dirty="0">
-              <a:latin typeface="Arial" panose="020B0604020202020204" pitchFamily="34" charset="0"/>
+              <a:t>, </a:t>
+            </a:r>
+            <a:r>
+              <a:rPr lang="en-US" sz="1400" dirty="0" smtClean="0">
+                <a:latin typeface="Roboto" pitchFamily="2" charset="0"/>
+                <a:ea typeface="Roboto" pitchFamily="2" charset="0"/>
+                <a:cs typeface="Arial" panose="020B0604020202020204" pitchFamily="34" charset="0"/>
+              </a:rPr>
+              <a:t>2014</a:t>
+            </a:r>
+            <a:endParaRPr lang="en-US" sz="1400" dirty="0">
+              <a:latin typeface="Roboto" pitchFamily="2" charset="0"/>
+              <a:ea typeface="Roboto" pitchFamily="2" charset="0"/>
               <a:cs typeface="Arial" panose="020B0604020202020204" pitchFamily="34" charset="0"/>
             </a:endParaRPr>
           </a:p>
@@ -3158,7 +3184,7 @@
         </p:nvGrpSpPr>
         <p:grpSpPr>
           <a:xfrm>
-            <a:off x="518822" y="5240568"/>
+            <a:off x="518822" y="5308302"/>
             <a:ext cx="5760720" cy="3040525"/>
             <a:chOff x="518822" y="5108602"/>
             <a:chExt cx="5760720" cy="3040525"/>
@@ -3268,7 +3294,7 @@
         </p:nvSpPr>
         <p:spPr>
           <a:xfrm>
-            <a:off x="518822" y="5401602"/>
+            <a:off x="518822" y="5469336"/>
             <a:ext cx="5760720" cy="261610"/>
           </a:xfrm>
           <a:prstGeom prst="rect">
@@ -3314,7 +3340,7 @@
         </p:nvSpPr>
         <p:spPr>
           <a:xfrm>
-            <a:off x="518822" y="6858932"/>
+            <a:off x="518822" y="6926666"/>
             <a:ext cx="5760720" cy="261610"/>
           </a:xfrm>
           <a:prstGeom prst="rect">
@@ -3360,7 +3386,7 @@
         </p:nvCxnSpPr>
         <p:spPr>
           <a:xfrm>
-            <a:off x="590843" y="5401602"/>
+            <a:off x="590843" y="5469336"/>
             <a:ext cx="5688699" cy="0"/>
           </a:xfrm>
           <a:prstGeom prst="line">
@@ -3390,7 +3416,7 @@
         </p:nvCxnSpPr>
         <p:spPr>
           <a:xfrm>
-            <a:off x="590842" y="6856196"/>
+            <a:off x="590842" y="6923930"/>
             <a:ext cx="5688699" cy="0"/>
           </a:xfrm>
           <a:prstGeom prst="line">
